--- a/기획자료/PYG 프리팹 추가 설명_정민수_1_20220816.pptx
+++ b/기획자료/PYG 프리팹 추가 설명_정민수_1_20220816.pptx
@@ -266,7 +266,7 @@
       <p15:notesGuideLst xmlns:p15="http://schemas.microsoft.com/office/powerpoint/2012/main"/>
     </p:ext>
     <p:ext uri="http://customooxmlschemas.google.com/">
-      <go:slidesCustomData xmlns="" xmlns:mc="http://schemas.openxmlformats.org/markup-compatibility/2006" xmlns:mv="urn:schemas-microsoft-com:mac:vml" xmlns:c="http://schemas.openxmlformats.org/drawingml/2006/chart" xmlns:dgm="http://schemas.openxmlformats.org/drawingml/2006/diagram" xmlns:o="urn:schemas-microsoft-com:office:office" xmlns:v="urn:schemas-microsoft-com:vml" xmlns:pvml="urn:schemas-microsoft-com:office:powerpoint" xmlns:com="http://schemas.openxmlformats.org/drawingml/2006/compatibility" xmlns:p14="http://schemas.microsoft.com/office/powerpoint/2010/main" xmlns:p15="http://schemas.microsoft.com/office/powerpoint/2012/main" xmlns:ahyp="http://schemas.microsoft.com/office/drawing/2018/hyperlinkcolor" xmlns:go="http://customooxmlschemas.google.com/" r:id="rId22" roundtripDataSignature="AMtx7mjoc8yIVULp6K+dfz3fr5kxV1yK+Q=="/>
+      <go:slidesCustomData xmlns:go="http://customooxmlschemas.google.com/" xmlns:ahyp="http://schemas.microsoft.com/office/drawing/2018/hyperlinkcolor" xmlns:p15="http://schemas.microsoft.com/office/powerpoint/2012/main" xmlns:p14="http://schemas.microsoft.com/office/powerpoint/2010/main" xmlns:com="http://schemas.openxmlformats.org/drawingml/2006/compatibility" xmlns:pvml="urn:schemas-microsoft-com:office:powerpoint" xmlns:v="urn:schemas-microsoft-com:vml" xmlns:o="urn:schemas-microsoft-com:office:office" xmlns:dgm="http://schemas.openxmlformats.org/drawingml/2006/diagram" xmlns:c="http://schemas.openxmlformats.org/drawingml/2006/chart" xmlns:mv="urn:schemas-microsoft-com:mac:vml" xmlns:mc="http://schemas.openxmlformats.org/markup-compatibility/2006" xmlns="" r:id="rId22" roundtripDataSignature="AMtx7mjoc8yIVULp6K+dfz3fr5kxV1yK+Q=="/>
     </p:ext>
   </p:extLst>
 </p:presentation>
@@ -10563,8 +10563,8 @@
         </p:nvSpPr>
         <p:spPr>
           <a:xfrm>
-            <a:off x="8158580" y="1443085"/>
-            <a:ext cx="4033420" cy="3194680"/>
+            <a:off x="8122719" y="1443085"/>
+            <a:ext cx="4099083" cy="3194680"/>
           </a:xfrm>
           <a:prstGeom prst="rect">
             <a:avLst/>
@@ -11757,65 +11757,6 @@
       </p:sp>
       <p:sp>
         <p:nvSpPr>
-          <p:cNvPr id="11" name="Google Shape;102;p2">
-            <a:extLst>
-              <a:ext uri="{FF2B5EF4-FFF2-40B4-BE49-F238E27FC236}">
-                <a16:creationId xmlns:a16="http://schemas.microsoft.com/office/drawing/2014/main" id="{9A0678E5-2EEE-BF19-0632-706C12F22113}"/>
-              </a:ext>
-            </a:extLst>
-          </p:cNvPr>
-          <p:cNvSpPr/>
-          <p:nvPr/>
-        </p:nvSpPr>
-        <p:spPr>
-          <a:xfrm>
-            <a:off x="4997272" y="2877188"/>
-            <a:ext cx="85166" cy="85166"/>
-          </a:xfrm>
-          <a:prstGeom prst="ellipse">
-            <a:avLst/>
-          </a:prstGeom>
-          <a:solidFill>
-            <a:schemeClr val="tx1"/>
-          </a:solidFill>
-          <a:ln w="25400" cap="flat" cmpd="sng">
-            <a:solidFill>
-              <a:srgbClr val="00B0F0"/>
-            </a:solidFill>
-            <a:prstDash val="solid"/>
-            <a:miter lim="800000"/>
-            <a:headEnd type="none" w="sm" len="sm"/>
-            <a:tailEnd type="none" w="sm" len="sm"/>
-          </a:ln>
-        </p:spPr>
-        <p:txBody>
-          <a:bodyPr spcFirstLastPara="1" wrap="square" lIns="91425" tIns="45700" rIns="91425" bIns="45700" anchor="ctr" anchorCtr="0">
-            <a:noAutofit/>
-          </a:bodyPr>
-          <a:lstStyle/>
-          <a:p>
-            <a:pPr marL="0" marR="0" lvl="0" indent="0" algn="ctr" rtl="0">
-              <a:spcBef>
-                <a:spcPts val="0"/>
-              </a:spcBef>
-              <a:spcAft>
-                <a:spcPts val="0"/>
-              </a:spcAft>
-              <a:buNone/>
-            </a:pPr>
-            <a:endParaRPr sz="1600">
-              <a:solidFill>
-                <a:schemeClr val="lt1"/>
-              </a:solidFill>
-              <a:latin typeface="에스코어 드림 4 Regular" panose="020B0503030302020204" pitchFamily="34" charset="-127"/>
-              <a:ea typeface="에스코어 드림 4 Regular" panose="020B0503030302020204" pitchFamily="34" charset="-127"/>
-              <a:sym typeface="Arial"/>
-            </a:endParaRPr>
-          </a:p>
-        </p:txBody>
-      </p:sp>
-      <p:sp>
-        <p:nvSpPr>
           <p:cNvPr id="15" name="Google Shape;108;p2">
             <a:extLst>
               <a:ext uri="{FF2B5EF4-FFF2-40B4-BE49-F238E27FC236}">
@@ -12761,7 +12702,7 @@
         </p:nvSpPr>
         <p:spPr>
           <a:xfrm>
-            <a:off x="8256710" y="3538757"/>
+            <a:off x="8220850" y="3538757"/>
             <a:ext cx="85166" cy="85166"/>
           </a:xfrm>
           <a:prstGeom prst="ellipse">
@@ -12820,7 +12761,7 @@
         </p:nvSpPr>
         <p:spPr>
           <a:xfrm>
-            <a:off x="8256710" y="3756543"/>
+            <a:off x="8220850" y="3756543"/>
             <a:ext cx="85166" cy="85166"/>
           </a:xfrm>
           <a:prstGeom prst="ellipse">
@@ -12879,7 +12820,7 @@
         </p:nvSpPr>
         <p:spPr>
           <a:xfrm>
-            <a:off x="8256710" y="3974329"/>
+            <a:off x="8220850" y="3974329"/>
             <a:ext cx="85166" cy="85166"/>
           </a:xfrm>
           <a:prstGeom prst="ellipse">
@@ -12938,7 +12879,7 @@
         </p:nvSpPr>
         <p:spPr>
           <a:xfrm>
-            <a:off x="8256710" y="4192116"/>
+            <a:off x="8220850" y="4192116"/>
             <a:ext cx="85166" cy="85166"/>
           </a:xfrm>
           <a:prstGeom prst="ellipse">
